--- a/Presentation.pptx
+++ b/Presentation.pptx
@@ -8056,6 +8056,42 @@
           <a:chExt cx="0" cy="0"/>
         </a:xfrm>
       </p:grpSpPr>
+      <p:pic>
+        <p:nvPicPr>
+          <p:cNvPr id="14" name="Picture 13">
+            <a:extLst>
+              <a:ext uri="{FF2B5EF4-FFF2-40B4-BE49-F238E27FC236}">
+                <a16:creationId xmlns:a16="http://schemas.microsoft.com/office/drawing/2014/main" id="{DB1A6FCE-DD0D-4855-91CD-B1325EFC02BC}"/>
+              </a:ext>
+            </a:extLst>
+          </p:cNvPr>
+          <p:cNvPicPr>
+            <a:picLocks noChangeAspect="1"/>
+          </p:cNvPicPr>
+          <p:nvPr/>
+        </p:nvPicPr>
+        <p:blipFill>
+          <a:blip r:embed="rId2">
+            <a:extLst>
+              <a:ext uri="{28A0092B-C50C-407E-A947-70E740481C1C}">
+                <a14:useLocalDpi xmlns:a14="http://schemas.microsoft.com/office/drawing/2010/main" val="0"/>
+              </a:ext>
+            </a:extLst>
+          </a:blip>
+          <a:stretch>
+            <a:fillRect/>
+          </a:stretch>
+        </p:blipFill>
+        <p:spPr>
+          <a:xfrm>
+            <a:off x="945353" y="802429"/>
+            <a:ext cx="7157741" cy="5946432"/>
+          </a:xfrm>
+          <a:prstGeom prst="rect">
+            <a:avLst/>
+          </a:prstGeom>
+        </p:spPr>
+      </p:pic>
       <p:sp>
         <p:nvSpPr>
           <p:cNvPr id="2" name="Title 1">
@@ -8105,7 +8141,7 @@
         <p:spPr>
           <a:xfrm>
             <a:off x="1891615" y="1148016"/>
-            <a:ext cx="233778" cy="1168464"/>
+            <a:ext cx="203403" cy="1525736"/>
           </a:xfrm>
           <a:prstGeom prst="leftBrace">
             <a:avLst/>
@@ -8201,7 +8237,7 @@
         </p:nvSpPr>
         <p:spPr>
           <a:xfrm>
-            <a:off x="7641908" y="4751002"/>
+            <a:off x="8060653" y="4751002"/>
             <a:ext cx="3346429" cy="646331"/>
           </a:xfrm>
           <a:prstGeom prst="rect">
@@ -8251,7 +8287,7 @@
         </p:nvSpPr>
         <p:spPr>
           <a:xfrm>
-            <a:off x="7792720" y="1225685"/>
+            <a:off x="8211465" y="1225685"/>
             <a:ext cx="3434080" cy="2862322"/>
           </a:xfrm>
           <a:prstGeom prst="rect">
@@ -8365,42 +8401,6 @@
           </a:p>
         </p:txBody>
       </p:sp>
-      <p:pic>
-        <p:nvPicPr>
-          <p:cNvPr id="10" name="Picture 9">
-            <a:extLst>
-              <a:ext uri="{FF2B5EF4-FFF2-40B4-BE49-F238E27FC236}">
-                <a16:creationId xmlns:a16="http://schemas.microsoft.com/office/drawing/2014/main" id="{9A7CD593-2341-429C-921A-8BB7A1F4F648}"/>
-              </a:ext>
-            </a:extLst>
-          </p:cNvPr>
-          <p:cNvPicPr>
-            <a:picLocks noChangeAspect="1"/>
-          </p:cNvPicPr>
-          <p:nvPr/>
-        </p:nvPicPr>
-        <p:blipFill>
-          <a:blip r:embed="rId2">
-            <a:extLst>
-              <a:ext uri="{28A0092B-C50C-407E-A947-70E740481C1C}">
-                <a14:useLocalDpi xmlns:a14="http://schemas.microsoft.com/office/drawing/2010/main" val="0"/>
-              </a:ext>
-            </a:extLst>
-          </a:blip>
-          <a:stretch>
-            <a:fillRect/>
-          </a:stretch>
-        </p:blipFill>
-        <p:spPr>
-          <a:xfrm>
-            <a:off x="1068489" y="905081"/>
-            <a:ext cx="6573419" cy="5460995"/>
-          </a:xfrm>
-          <a:prstGeom prst="rect">
-            <a:avLst/>
-          </a:prstGeom>
-        </p:spPr>
-      </p:pic>
     </p:spTree>
     <p:extLst>
       <p:ext uri="{BB962C8B-B14F-4D97-AF65-F5344CB8AC3E}">

--- a/Presentation.pptx
+++ b/Presentation.pptx
@@ -3576,7 +3576,7 @@
         <p:spPr>
           <a:xfrm>
             <a:off x="701040" y="1075366"/>
-            <a:ext cx="10515600" cy="4216539"/>
+            <a:ext cx="10515600" cy="3939540"/>
           </a:xfrm>
           <a:prstGeom prst="rect">
             <a:avLst/>
@@ -3634,15 +3634,7 @@
             </a:pPr>
             <a:r>
               <a:rPr lang="en-SG" dirty="0"/>
-              <a:t>Being strict on cancellation policy </a:t>
-            </a:r>
-            <a:r>
-              <a:rPr lang="en-SG" dirty="0" err="1"/>
-              <a:t>anddoes</a:t>
-            </a:r>
-            <a:r>
-              <a:rPr lang="en-SG" dirty="0"/>
-              <a:t> help.</a:t>
+              <a:t>Being strict on cancellation policy and does help.</a:t>
             </a:r>
           </a:p>
           <a:p>
@@ -3661,7 +3653,7 @@
             </a:pPr>
             <a:r>
               <a:rPr lang="en-SG" sz="2400" b="1" u="sng" dirty="0"/>
-              <a:t>About the code</a:t>
+              <a:t>About the model</a:t>
             </a:r>
           </a:p>
           <a:p>
@@ -3674,7 +3666,7 @@
             </a:pPr>
             <a:r>
               <a:rPr lang="en-SG" dirty="0"/>
-              <a:t>The model assists host estimate the potential booking rate and revenue to choose the right rental plan and pricing strategy.</a:t>
+              <a:t>The model assists the hosts estimate the potential booking rate and revenue to choose the right rental plan and pricing strategy.</a:t>
             </a:r>
           </a:p>
           <a:p>
@@ -3700,7 +3692,7 @@
             </a:pPr>
             <a:r>
               <a:rPr lang="en-SG" dirty="0"/>
-              <a:t>This analysis can be a recommendation tool for Airbnb and also helps them identify potential hosts that can maximize revenue.</a:t>
+              <a:t>This analysis can help Airbnb identify potential hosts that can maximize revenue.</a:t>
             </a:r>
           </a:p>
         </p:txBody>
@@ -4801,10 +4793,10 @@
         </p:nvGrpSpPr>
         <p:grpSpPr>
           <a:xfrm>
-            <a:off x="1018955" y="3953909"/>
-            <a:ext cx="4746019" cy="2957059"/>
-            <a:chOff x="985191" y="3900941"/>
-            <a:chExt cx="4746019" cy="2957059"/>
+            <a:off x="1018955" y="3896034"/>
+            <a:ext cx="4746019" cy="3014934"/>
+            <a:chOff x="985191" y="3843066"/>
+            <a:chExt cx="4746019" cy="3014934"/>
           </a:xfrm>
         </p:grpSpPr>
         <p:grpSp>
@@ -5043,8 +5035,8 @@
           </p:nvSpPr>
           <p:spPr>
             <a:xfrm>
-              <a:off x="2357472" y="3900941"/>
-              <a:ext cx="2480744" cy="338554"/>
+              <a:off x="2600509" y="3843066"/>
+              <a:ext cx="1884234" cy="338554"/>
             </a:xfrm>
             <a:prstGeom prst="rect">
               <a:avLst/>
@@ -5059,7 +5051,7 @@
             <a:p>
               <a:r>
                 <a:rPr lang="en-US" sz="1600" dirty="0"/>
-                <a:t>Booking probability vs time</a:t>
+                <a:t>Booking rate vs time</a:t>
               </a:r>
               <a:endParaRPr lang="en-SG" sz="1600" dirty="0"/>
             </a:p>
@@ -7091,9 +7083,9 @@
         <p:grpSpPr>
           <a:xfrm>
             <a:off x="-39676" y="243069"/>
-            <a:ext cx="11996324" cy="1605106"/>
+            <a:ext cx="11996322" cy="1482015"/>
             <a:chOff x="-39676" y="243069"/>
-            <a:chExt cx="11996324" cy="1605106"/>
+            <a:chExt cx="11996322" cy="1482015"/>
           </a:xfrm>
         </p:grpSpPr>
         <p:sp>
@@ -7166,7 +7158,7 @@
           </p:nvSpPr>
           <p:spPr>
             <a:xfrm>
-              <a:off x="8058327" y="370847"/>
+              <a:off x="8058325" y="247756"/>
               <a:ext cx="3898321" cy="1477328"/>
             </a:xfrm>
             <a:prstGeom prst="rect">
@@ -7815,8 +7807,8 @@
         </p:nvSpPr>
         <p:spPr>
           <a:xfrm>
-            <a:off x="594793" y="5979495"/>
-            <a:ext cx="1981889" cy="400110"/>
+            <a:off x="173728" y="5833734"/>
+            <a:ext cx="2342564" cy="461665"/>
           </a:xfrm>
           <a:prstGeom prst="rect">
             <a:avLst/>
@@ -7830,10 +7822,10 @@
           <a:lstStyle/>
           <a:p>
             <a:r>
-              <a:rPr lang="en-US" sz="2000" b="1" dirty="0"/>
+              <a:rPr lang="en-US" sz="2400" b="1" dirty="0"/>
               <a:t>Correlation table</a:t>
             </a:r>
-            <a:endParaRPr lang="en-SG" sz="2000" b="1" dirty="0"/>
+            <a:endParaRPr lang="en-SG" sz="2400" b="1" dirty="0"/>
           </a:p>
         </p:txBody>
       </p:sp>
@@ -8364,7 +8356,7 @@
                   <a:srgbClr val="FF0000"/>
                 </a:solidFill>
               </a:rPr>
-              <a:t>Expected booking probability</a:t>
+              <a:t>Expected booking rate</a:t>
             </a:r>
           </a:p>
           <a:p>
